--- a/WhatAreYouHiringFor.pptx
+++ b/WhatAreYouHiringFor.pptx
@@ -221,7 +221,7 @@
           <a:p>
             <a:fld id="{2EC50665-7834-45F1-9A0A-B0AE62D0535F}" type="datetimeFigureOut">
               <a:rPr lang="en-US" smtClean="0"/>
-              <a:t>9/16/2020</a:t>
+              <a:t>9/17/2020</a:t>
             </a:fld>
             <a:endParaRPr lang="en-US"/>
           </a:p>
@@ -1472,7 +1472,7 @@
           <a:p>
             <a:fld id="{E6CB5083-1589-4271-BFA7-62B57B212D6A}" type="datetimeFigureOut">
               <a:rPr lang="en-US" smtClean="0"/>
-              <a:t>9/16/2020</a:t>
+              <a:t>9/17/2020</a:t>
             </a:fld>
             <a:endParaRPr lang="en-US"/>
           </a:p>
@@ -1640,7 +1640,7 @@
           <a:p>
             <a:fld id="{E6CB5083-1589-4271-BFA7-62B57B212D6A}" type="datetimeFigureOut">
               <a:rPr lang="en-US" smtClean="0"/>
-              <a:t>9/16/2020</a:t>
+              <a:t>9/17/2020</a:t>
             </a:fld>
             <a:endParaRPr lang="en-US"/>
           </a:p>
@@ -1818,7 +1818,7 @@
           <a:p>
             <a:fld id="{E6CB5083-1589-4271-BFA7-62B57B212D6A}" type="datetimeFigureOut">
               <a:rPr lang="en-US" smtClean="0"/>
-              <a:t>9/16/2020</a:t>
+              <a:t>9/17/2020</a:t>
             </a:fld>
             <a:endParaRPr lang="en-US"/>
           </a:p>
@@ -1986,7 +1986,7 @@
           <a:p>
             <a:fld id="{E6CB5083-1589-4271-BFA7-62B57B212D6A}" type="datetimeFigureOut">
               <a:rPr lang="en-US" smtClean="0"/>
-              <a:t>9/16/2020</a:t>
+              <a:t>9/17/2020</a:t>
             </a:fld>
             <a:endParaRPr lang="en-US"/>
           </a:p>
@@ -2231,7 +2231,7 @@
           <a:p>
             <a:fld id="{E6CB5083-1589-4271-BFA7-62B57B212D6A}" type="datetimeFigureOut">
               <a:rPr lang="en-US" smtClean="0"/>
-              <a:t>9/16/2020</a:t>
+              <a:t>9/17/2020</a:t>
             </a:fld>
             <a:endParaRPr lang="en-US"/>
           </a:p>
@@ -2516,7 +2516,7 @@
           <a:p>
             <a:fld id="{E6CB5083-1589-4271-BFA7-62B57B212D6A}" type="datetimeFigureOut">
               <a:rPr lang="en-US" smtClean="0"/>
-              <a:t>9/16/2020</a:t>
+              <a:t>9/17/2020</a:t>
             </a:fld>
             <a:endParaRPr lang="en-US"/>
           </a:p>
@@ -2935,7 +2935,7 @@
           <a:p>
             <a:fld id="{E6CB5083-1589-4271-BFA7-62B57B212D6A}" type="datetimeFigureOut">
               <a:rPr lang="en-US" smtClean="0"/>
-              <a:t>9/16/2020</a:t>
+              <a:t>9/17/2020</a:t>
             </a:fld>
             <a:endParaRPr lang="en-US"/>
           </a:p>
@@ -3052,7 +3052,7 @@
           <a:p>
             <a:fld id="{E6CB5083-1589-4271-BFA7-62B57B212D6A}" type="datetimeFigureOut">
               <a:rPr lang="en-US" smtClean="0"/>
-              <a:t>9/16/2020</a:t>
+              <a:t>9/17/2020</a:t>
             </a:fld>
             <a:endParaRPr lang="en-US"/>
           </a:p>
@@ -3147,7 +3147,7 @@
           <a:p>
             <a:fld id="{E6CB5083-1589-4271-BFA7-62B57B212D6A}" type="datetimeFigureOut">
               <a:rPr lang="en-US" smtClean="0"/>
-              <a:t>9/16/2020</a:t>
+              <a:t>9/17/2020</a:t>
             </a:fld>
             <a:endParaRPr lang="en-US"/>
           </a:p>
@@ -3422,7 +3422,7 @@
           <a:p>
             <a:fld id="{E6CB5083-1589-4271-BFA7-62B57B212D6A}" type="datetimeFigureOut">
               <a:rPr lang="en-US" smtClean="0"/>
-              <a:t>9/16/2020</a:t>
+              <a:t>9/17/2020</a:t>
             </a:fld>
             <a:endParaRPr lang="en-US"/>
           </a:p>
@@ -3674,7 +3674,7 @@
           <a:p>
             <a:fld id="{E6CB5083-1589-4271-BFA7-62B57B212D6A}" type="datetimeFigureOut">
               <a:rPr lang="en-US" smtClean="0"/>
-              <a:t>9/16/2020</a:t>
+              <a:t>9/17/2020</a:t>
             </a:fld>
             <a:endParaRPr lang="en-US"/>
           </a:p>
@@ -3885,7 +3885,7 @@
           <a:p>
             <a:fld id="{E6CB5083-1589-4271-BFA7-62B57B212D6A}" type="datetimeFigureOut">
               <a:rPr lang="en-US" smtClean="0"/>
-              <a:t>9/16/2020</a:t>
+              <a:t>9/17/2020</a:t>
             </a:fld>
             <a:endParaRPr lang="en-US"/>
           </a:p>
@@ -5012,6 +5012,29 @@
               <a:t>tterragnoj</a:t>
             </a:r>
             <a:endParaRPr lang="en-US" dirty="0"/>
+          </a:p>
+          <a:p>
+            <a:endParaRPr lang="en-US" dirty="0"/>
+          </a:p>
+          <a:p>
+            <a:r>
+              <a:rPr lang="en-US" dirty="0"/>
+              <a:t>Contact: </a:t>
+            </a:r>
+            <a:r>
+              <a:rPr lang="en-US"/>
+              <a:t>gwesthov@gmail.co</a:t>
+            </a:r>
+            <a:endParaRPr lang="en-US" dirty="0"/>
+          </a:p>
+          <a:p>
+            <a:endParaRPr lang="en-US" dirty="0"/>
+          </a:p>
+          <a:p>
+            <a:r>
+              <a:rPr lang="en-US" dirty="0"/>
+              <a:t>Presentation: https://github.com/gwesthoven/DiversityPresentation</a:t>
+            </a:r>
           </a:p>
         </p:txBody>
       </p:sp>
